--- a/23_Plateforme6Axes/22_ImprimanteI3D.pptx
+++ b/23_Plateforme6Axes/22_ImprimanteI3D.pptx
@@ -7,11 +7,6 @@
   <p:sldIdLst>
     <p:sldId id="256" r:id="rId2"/>
     <p:sldId id="257" r:id="rId3"/>
-    <p:sldId id="262" r:id="rId4"/>
-    <p:sldId id="258" r:id="rId5"/>
-    <p:sldId id="259" r:id="rId6"/>
-    <p:sldId id="260" r:id="rId7"/>
-    <p:sldId id="261" r:id="rId8"/>
   </p:sldIdLst>
   <p:sldSz cx="12192000" cy="6858000"/>
   <p:notesSz cx="6858000" cy="9144000"/>
@@ -171,10 +166,9 @@
           </a:lstStyle>
           <a:p>
             <a:r>
-              <a:rPr lang="fr-FR" smtClean="0"/>
+              <a:rPr lang="fr-FR"/>
               <a:t>Modifiez le style du titre</a:t>
             </a:r>
-            <a:endParaRPr lang="fr-FR"/>
           </a:p>
         </p:txBody>
       </p:sp>
@@ -236,10 +230,9 @@
           </a:lstStyle>
           <a:p>
             <a:r>
-              <a:rPr lang="fr-FR" smtClean="0"/>
+              <a:rPr lang="fr-FR"/>
               <a:t>Modifier le style des sous-titres du masque</a:t>
             </a:r>
-            <a:endParaRPr lang="fr-FR"/>
           </a:p>
         </p:txBody>
       </p:sp>
@@ -260,7 +253,7 @@
           <a:p>
             <a:fld id="{12FEBFD5-F7DC-4D99-924F-CDBF4221FCB9}" type="datetimeFigureOut">
               <a:rPr lang="fr-FR" smtClean="0"/>
-              <a:t>23/05/2023</a:t>
+              <a:t>19/05/2024</a:t>
             </a:fld>
             <a:endParaRPr lang="fr-FR"/>
           </a:p>
@@ -354,10 +347,9 @@
           <a:lstStyle/>
           <a:p>
             <a:r>
-              <a:rPr lang="fr-FR" smtClean="0"/>
+              <a:rPr lang="fr-FR"/>
               <a:t>Modifiez le style du titre</a:t>
             </a:r>
-            <a:endParaRPr lang="fr-FR"/>
           </a:p>
         </p:txBody>
       </p:sp>
@@ -378,38 +370,37 @@
           <a:p>
             <a:pPr lvl="0"/>
             <a:r>
-              <a:rPr lang="fr-FR" smtClean="0"/>
+              <a:rPr lang="fr-FR"/>
               <a:t>Modifier les styles du texte du masque</a:t>
             </a:r>
           </a:p>
           <a:p>
             <a:pPr lvl="1"/>
             <a:r>
-              <a:rPr lang="fr-FR" smtClean="0"/>
+              <a:rPr lang="fr-FR"/>
               <a:t>Deuxième niveau</a:t>
             </a:r>
           </a:p>
           <a:p>
             <a:pPr lvl="2"/>
             <a:r>
-              <a:rPr lang="fr-FR" smtClean="0"/>
+              <a:rPr lang="fr-FR"/>
               <a:t>Troisième niveau</a:t>
             </a:r>
           </a:p>
           <a:p>
             <a:pPr lvl="3"/>
             <a:r>
-              <a:rPr lang="fr-FR" smtClean="0"/>
+              <a:rPr lang="fr-FR"/>
               <a:t>Quatrième niveau</a:t>
             </a:r>
           </a:p>
           <a:p>
             <a:pPr lvl="4"/>
             <a:r>
-              <a:rPr lang="fr-FR" smtClean="0"/>
+              <a:rPr lang="fr-FR"/>
               <a:t>Cinquième niveau</a:t>
             </a:r>
-            <a:endParaRPr lang="fr-FR"/>
           </a:p>
         </p:txBody>
       </p:sp>
@@ -430,7 +421,7 @@
           <a:p>
             <a:fld id="{12FEBFD5-F7DC-4D99-924F-CDBF4221FCB9}" type="datetimeFigureOut">
               <a:rPr lang="fr-FR" smtClean="0"/>
-              <a:t>23/05/2023</a:t>
+              <a:t>19/05/2024</a:t>
             </a:fld>
             <a:endParaRPr lang="fr-FR"/>
           </a:p>
@@ -529,10 +520,9 @@
           <a:lstStyle/>
           <a:p>
             <a:r>
-              <a:rPr lang="fr-FR" smtClean="0"/>
+              <a:rPr lang="fr-FR"/>
               <a:t>Modifiez le style du titre</a:t>
             </a:r>
-            <a:endParaRPr lang="fr-FR"/>
           </a:p>
         </p:txBody>
       </p:sp>
@@ -558,38 +548,37 @@
           <a:p>
             <a:pPr lvl="0"/>
             <a:r>
-              <a:rPr lang="fr-FR" smtClean="0"/>
+              <a:rPr lang="fr-FR"/>
               <a:t>Modifier les styles du texte du masque</a:t>
             </a:r>
           </a:p>
           <a:p>
             <a:pPr lvl="1"/>
             <a:r>
-              <a:rPr lang="fr-FR" smtClean="0"/>
+              <a:rPr lang="fr-FR"/>
               <a:t>Deuxième niveau</a:t>
             </a:r>
           </a:p>
           <a:p>
             <a:pPr lvl="2"/>
             <a:r>
-              <a:rPr lang="fr-FR" smtClean="0"/>
+              <a:rPr lang="fr-FR"/>
               <a:t>Troisième niveau</a:t>
             </a:r>
           </a:p>
           <a:p>
             <a:pPr lvl="3"/>
             <a:r>
-              <a:rPr lang="fr-FR" smtClean="0"/>
+              <a:rPr lang="fr-FR"/>
               <a:t>Quatrième niveau</a:t>
             </a:r>
           </a:p>
           <a:p>
             <a:pPr lvl="4"/>
             <a:r>
-              <a:rPr lang="fr-FR" smtClean="0"/>
+              <a:rPr lang="fr-FR"/>
               <a:t>Cinquième niveau</a:t>
             </a:r>
-            <a:endParaRPr lang="fr-FR"/>
           </a:p>
         </p:txBody>
       </p:sp>
@@ -610,7 +599,7 @@
           <a:p>
             <a:fld id="{12FEBFD5-F7DC-4D99-924F-CDBF4221FCB9}" type="datetimeFigureOut">
               <a:rPr lang="fr-FR" smtClean="0"/>
-              <a:t>23/05/2023</a:t>
+              <a:t>19/05/2024</a:t>
             </a:fld>
             <a:endParaRPr lang="fr-FR"/>
           </a:p>
@@ -704,10 +693,9 @@
           <a:lstStyle/>
           <a:p>
             <a:r>
-              <a:rPr lang="fr-FR" smtClean="0"/>
+              <a:rPr lang="fr-FR"/>
               <a:t>Modifiez le style du titre</a:t>
             </a:r>
-            <a:endParaRPr lang="fr-FR"/>
           </a:p>
         </p:txBody>
       </p:sp>
@@ -728,38 +716,37 @@
           <a:p>
             <a:pPr lvl="0"/>
             <a:r>
-              <a:rPr lang="fr-FR" smtClean="0"/>
+              <a:rPr lang="fr-FR"/>
               <a:t>Modifier les styles du texte du masque</a:t>
             </a:r>
           </a:p>
           <a:p>
             <a:pPr lvl="1"/>
             <a:r>
-              <a:rPr lang="fr-FR" smtClean="0"/>
+              <a:rPr lang="fr-FR"/>
               <a:t>Deuxième niveau</a:t>
             </a:r>
           </a:p>
           <a:p>
             <a:pPr lvl="2"/>
             <a:r>
-              <a:rPr lang="fr-FR" smtClean="0"/>
+              <a:rPr lang="fr-FR"/>
               <a:t>Troisième niveau</a:t>
             </a:r>
           </a:p>
           <a:p>
             <a:pPr lvl="3"/>
             <a:r>
-              <a:rPr lang="fr-FR" smtClean="0"/>
+              <a:rPr lang="fr-FR"/>
               <a:t>Quatrième niveau</a:t>
             </a:r>
           </a:p>
           <a:p>
             <a:pPr lvl="4"/>
             <a:r>
-              <a:rPr lang="fr-FR" smtClean="0"/>
+              <a:rPr lang="fr-FR"/>
               <a:t>Cinquième niveau</a:t>
             </a:r>
-            <a:endParaRPr lang="fr-FR"/>
           </a:p>
         </p:txBody>
       </p:sp>
@@ -780,7 +767,7 @@
           <a:p>
             <a:fld id="{12FEBFD5-F7DC-4D99-924F-CDBF4221FCB9}" type="datetimeFigureOut">
               <a:rPr lang="fr-FR" smtClean="0"/>
-              <a:t>23/05/2023</a:t>
+              <a:t>19/05/2024</a:t>
             </a:fld>
             <a:endParaRPr lang="fr-FR"/>
           </a:p>
@@ -883,10 +870,9 @@
           </a:lstStyle>
           <a:p>
             <a:r>
-              <a:rPr lang="fr-FR" smtClean="0"/>
+              <a:rPr lang="fr-FR"/>
               <a:t>Modifiez le style du titre</a:t>
             </a:r>
-            <a:endParaRPr lang="fr-FR"/>
           </a:p>
         </p:txBody>
       </p:sp>
@@ -1003,7 +989,7 @@
           <a:p>
             <a:pPr lvl="0"/>
             <a:r>
-              <a:rPr lang="fr-FR" smtClean="0"/>
+              <a:rPr lang="fr-FR"/>
               <a:t>Modifier les styles du texte du masque</a:t>
             </a:r>
           </a:p>
@@ -1026,7 +1012,7 @@
           <a:p>
             <a:fld id="{12FEBFD5-F7DC-4D99-924F-CDBF4221FCB9}" type="datetimeFigureOut">
               <a:rPr lang="fr-FR" smtClean="0"/>
-              <a:t>23/05/2023</a:t>
+              <a:t>19/05/2024</a:t>
             </a:fld>
             <a:endParaRPr lang="fr-FR"/>
           </a:p>
@@ -1120,10 +1106,9 @@
           <a:lstStyle/>
           <a:p>
             <a:r>
-              <a:rPr lang="fr-FR" smtClean="0"/>
+              <a:rPr lang="fr-FR"/>
               <a:t>Modifiez le style du titre</a:t>
             </a:r>
-            <a:endParaRPr lang="fr-FR"/>
           </a:p>
         </p:txBody>
       </p:sp>
@@ -1149,38 +1134,37 @@
           <a:p>
             <a:pPr lvl="0"/>
             <a:r>
-              <a:rPr lang="fr-FR" smtClean="0"/>
+              <a:rPr lang="fr-FR"/>
               <a:t>Modifier les styles du texte du masque</a:t>
             </a:r>
           </a:p>
           <a:p>
             <a:pPr lvl="1"/>
             <a:r>
-              <a:rPr lang="fr-FR" smtClean="0"/>
+              <a:rPr lang="fr-FR"/>
               <a:t>Deuxième niveau</a:t>
             </a:r>
           </a:p>
           <a:p>
             <a:pPr lvl="2"/>
             <a:r>
-              <a:rPr lang="fr-FR" smtClean="0"/>
+              <a:rPr lang="fr-FR"/>
               <a:t>Troisième niveau</a:t>
             </a:r>
           </a:p>
           <a:p>
             <a:pPr lvl="3"/>
             <a:r>
-              <a:rPr lang="fr-FR" smtClean="0"/>
+              <a:rPr lang="fr-FR"/>
               <a:t>Quatrième niveau</a:t>
             </a:r>
           </a:p>
           <a:p>
             <a:pPr lvl="4"/>
             <a:r>
-              <a:rPr lang="fr-FR" smtClean="0"/>
+              <a:rPr lang="fr-FR"/>
               <a:t>Cinquième niveau</a:t>
             </a:r>
-            <a:endParaRPr lang="fr-FR"/>
           </a:p>
         </p:txBody>
       </p:sp>
@@ -1206,38 +1190,37 @@
           <a:p>
             <a:pPr lvl="0"/>
             <a:r>
-              <a:rPr lang="fr-FR" smtClean="0"/>
+              <a:rPr lang="fr-FR"/>
               <a:t>Modifier les styles du texte du masque</a:t>
             </a:r>
           </a:p>
           <a:p>
             <a:pPr lvl="1"/>
             <a:r>
-              <a:rPr lang="fr-FR" smtClean="0"/>
+              <a:rPr lang="fr-FR"/>
               <a:t>Deuxième niveau</a:t>
             </a:r>
           </a:p>
           <a:p>
             <a:pPr lvl="2"/>
             <a:r>
-              <a:rPr lang="fr-FR" smtClean="0"/>
+              <a:rPr lang="fr-FR"/>
               <a:t>Troisième niveau</a:t>
             </a:r>
           </a:p>
           <a:p>
             <a:pPr lvl="3"/>
             <a:r>
-              <a:rPr lang="fr-FR" smtClean="0"/>
+              <a:rPr lang="fr-FR"/>
               <a:t>Quatrième niveau</a:t>
             </a:r>
           </a:p>
           <a:p>
             <a:pPr lvl="4"/>
             <a:r>
-              <a:rPr lang="fr-FR" smtClean="0"/>
+              <a:rPr lang="fr-FR"/>
               <a:t>Cinquième niveau</a:t>
             </a:r>
-            <a:endParaRPr lang="fr-FR"/>
           </a:p>
         </p:txBody>
       </p:sp>
@@ -1258,7 +1241,7 @@
           <a:p>
             <a:fld id="{12FEBFD5-F7DC-4D99-924F-CDBF4221FCB9}" type="datetimeFigureOut">
               <a:rPr lang="fr-FR" smtClean="0"/>
-              <a:t>23/05/2023</a:t>
+              <a:t>19/05/2024</a:t>
             </a:fld>
             <a:endParaRPr lang="fr-FR"/>
           </a:p>
@@ -1357,10 +1340,9 @@
           <a:lstStyle/>
           <a:p>
             <a:r>
-              <a:rPr lang="fr-FR" smtClean="0"/>
+              <a:rPr lang="fr-FR"/>
               <a:t>Modifiez le style du titre</a:t>
             </a:r>
-            <a:endParaRPr lang="fr-FR"/>
           </a:p>
         </p:txBody>
       </p:sp>
@@ -1423,7 +1405,7 @@
           <a:p>
             <a:pPr lvl="0"/>
             <a:r>
-              <a:rPr lang="fr-FR" smtClean="0"/>
+              <a:rPr lang="fr-FR"/>
               <a:t>Modifier les styles du texte du masque</a:t>
             </a:r>
           </a:p>
@@ -1451,38 +1433,37 @@
           <a:p>
             <a:pPr lvl="0"/>
             <a:r>
-              <a:rPr lang="fr-FR" smtClean="0"/>
+              <a:rPr lang="fr-FR"/>
               <a:t>Modifier les styles du texte du masque</a:t>
             </a:r>
           </a:p>
           <a:p>
             <a:pPr lvl="1"/>
             <a:r>
-              <a:rPr lang="fr-FR" smtClean="0"/>
+              <a:rPr lang="fr-FR"/>
               <a:t>Deuxième niveau</a:t>
             </a:r>
           </a:p>
           <a:p>
             <a:pPr lvl="2"/>
             <a:r>
-              <a:rPr lang="fr-FR" smtClean="0"/>
+              <a:rPr lang="fr-FR"/>
               <a:t>Troisième niveau</a:t>
             </a:r>
           </a:p>
           <a:p>
             <a:pPr lvl="3"/>
             <a:r>
-              <a:rPr lang="fr-FR" smtClean="0"/>
+              <a:rPr lang="fr-FR"/>
               <a:t>Quatrième niveau</a:t>
             </a:r>
           </a:p>
           <a:p>
             <a:pPr lvl="4"/>
             <a:r>
-              <a:rPr lang="fr-FR" smtClean="0"/>
+              <a:rPr lang="fr-FR"/>
               <a:t>Cinquième niveau</a:t>
             </a:r>
-            <a:endParaRPr lang="fr-FR"/>
           </a:p>
         </p:txBody>
       </p:sp>
@@ -1545,7 +1526,7 @@
           <a:p>
             <a:pPr lvl="0"/>
             <a:r>
-              <a:rPr lang="fr-FR" smtClean="0"/>
+              <a:rPr lang="fr-FR"/>
               <a:t>Modifier les styles du texte du masque</a:t>
             </a:r>
           </a:p>
@@ -1573,38 +1554,37 @@
           <a:p>
             <a:pPr lvl="0"/>
             <a:r>
-              <a:rPr lang="fr-FR" smtClean="0"/>
+              <a:rPr lang="fr-FR"/>
               <a:t>Modifier les styles du texte du masque</a:t>
             </a:r>
           </a:p>
           <a:p>
             <a:pPr lvl="1"/>
             <a:r>
-              <a:rPr lang="fr-FR" smtClean="0"/>
+              <a:rPr lang="fr-FR"/>
               <a:t>Deuxième niveau</a:t>
             </a:r>
           </a:p>
           <a:p>
             <a:pPr lvl="2"/>
             <a:r>
-              <a:rPr lang="fr-FR" smtClean="0"/>
+              <a:rPr lang="fr-FR"/>
               <a:t>Troisième niveau</a:t>
             </a:r>
           </a:p>
           <a:p>
             <a:pPr lvl="3"/>
             <a:r>
-              <a:rPr lang="fr-FR" smtClean="0"/>
+              <a:rPr lang="fr-FR"/>
               <a:t>Quatrième niveau</a:t>
             </a:r>
           </a:p>
           <a:p>
             <a:pPr lvl="4"/>
             <a:r>
-              <a:rPr lang="fr-FR" smtClean="0"/>
+              <a:rPr lang="fr-FR"/>
               <a:t>Cinquième niveau</a:t>
             </a:r>
-            <a:endParaRPr lang="fr-FR"/>
           </a:p>
         </p:txBody>
       </p:sp>
@@ -1625,7 +1605,7 @@
           <a:p>
             <a:fld id="{12FEBFD5-F7DC-4D99-924F-CDBF4221FCB9}" type="datetimeFigureOut">
               <a:rPr lang="fr-FR" smtClean="0"/>
-              <a:t>23/05/2023</a:t>
+              <a:t>19/05/2024</a:t>
             </a:fld>
             <a:endParaRPr lang="fr-FR"/>
           </a:p>
@@ -1719,10 +1699,9 @@
           <a:lstStyle/>
           <a:p>
             <a:r>
-              <a:rPr lang="fr-FR" smtClean="0"/>
+              <a:rPr lang="fr-FR"/>
               <a:t>Modifiez le style du titre</a:t>
             </a:r>
-            <a:endParaRPr lang="fr-FR"/>
           </a:p>
         </p:txBody>
       </p:sp>
@@ -1743,7 +1722,7 @@
           <a:p>
             <a:fld id="{12FEBFD5-F7DC-4D99-924F-CDBF4221FCB9}" type="datetimeFigureOut">
               <a:rPr lang="fr-FR" smtClean="0"/>
-              <a:t>23/05/2023</a:t>
+              <a:t>19/05/2024</a:t>
             </a:fld>
             <a:endParaRPr lang="fr-FR"/>
           </a:p>
@@ -1838,7 +1817,7 @@
           <a:p>
             <a:fld id="{12FEBFD5-F7DC-4D99-924F-CDBF4221FCB9}" type="datetimeFigureOut">
               <a:rPr lang="fr-FR" smtClean="0"/>
-              <a:t>23/05/2023</a:t>
+              <a:t>19/05/2024</a:t>
             </a:fld>
             <a:endParaRPr lang="fr-FR"/>
           </a:p>
@@ -1941,10 +1920,9 @@
           </a:lstStyle>
           <a:p>
             <a:r>
-              <a:rPr lang="fr-FR" smtClean="0"/>
+              <a:rPr lang="fr-FR"/>
               <a:t>Modifiez le style du titre</a:t>
             </a:r>
-            <a:endParaRPr lang="fr-FR"/>
           </a:p>
         </p:txBody>
       </p:sp>
@@ -1998,38 +1976,37 @@
           <a:p>
             <a:pPr lvl="0"/>
             <a:r>
-              <a:rPr lang="fr-FR" smtClean="0"/>
+              <a:rPr lang="fr-FR"/>
               <a:t>Modifier les styles du texte du masque</a:t>
             </a:r>
           </a:p>
           <a:p>
             <a:pPr lvl="1"/>
             <a:r>
-              <a:rPr lang="fr-FR" smtClean="0"/>
+              <a:rPr lang="fr-FR"/>
               <a:t>Deuxième niveau</a:t>
             </a:r>
           </a:p>
           <a:p>
             <a:pPr lvl="2"/>
             <a:r>
-              <a:rPr lang="fr-FR" smtClean="0"/>
+              <a:rPr lang="fr-FR"/>
               <a:t>Troisième niveau</a:t>
             </a:r>
           </a:p>
           <a:p>
             <a:pPr lvl="3"/>
             <a:r>
-              <a:rPr lang="fr-FR" smtClean="0"/>
+              <a:rPr lang="fr-FR"/>
               <a:t>Quatrième niveau</a:t>
             </a:r>
           </a:p>
           <a:p>
             <a:pPr lvl="4"/>
             <a:r>
-              <a:rPr lang="fr-FR" smtClean="0"/>
+              <a:rPr lang="fr-FR"/>
               <a:t>Cinquième niveau</a:t>
             </a:r>
-            <a:endParaRPr lang="fr-FR"/>
           </a:p>
         </p:txBody>
       </p:sp>
@@ -2092,7 +2069,7 @@
           <a:p>
             <a:pPr lvl="0"/>
             <a:r>
-              <a:rPr lang="fr-FR" smtClean="0"/>
+              <a:rPr lang="fr-FR"/>
               <a:t>Modifier les styles du texte du masque</a:t>
             </a:r>
           </a:p>
@@ -2115,7 +2092,7 @@
           <a:p>
             <a:fld id="{12FEBFD5-F7DC-4D99-924F-CDBF4221FCB9}" type="datetimeFigureOut">
               <a:rPr lang="fr-FR" smtClean="0"/>
-              <a:t>23/05/2023</a:t>
+              <a:t>19/05/2024</a:t>
             </a:fld>
             <a:endParaRPr lang="fr-FR"/>
           </a:p>
@@ -2218,10 +2195,9 @@
           </a:lstStyle>
           <a:p>
             <a:r>
-              <a:rPr lang="fr-FR" smtClean="0"/>
+              <a:rPr lang="fr-FR"/>
               <a:t>Modifiez le style du titre</a:t>
             </a:r>
-            <a:endParaRPr lang="fr-FR"/>
           </a:p>
         </p:txBody>
       </p:sp>
@@ -2345,7 +2321,7 @@
           <a:p>
             <a:pPr lvl="0"/>
             <a:r>
-              <a:rPr lang="fr-FR" smtClean="0"/>
+              <a:rPr lang="fr-FR"/>
               <a:t>Modifier les styles du texte du masque</a:t>
             </a:r>
           </a:p>
@@ -2368,7 +2344,7 @@
           <a:p>
             <a:fld id="{12FEBFD5-F7DC-4D99-924F-CDBF4221FCB9}" type="datetimeFigureOut">
               <a:rPr lang="fr-FR" smtClean="0"/>
-              <a:t>23/05/2023</a:t>
+              <a:t>19/05/2024</a:t>
             </a:fld>
             <a:endParaRPr lang="fr-FR"/>
           </a:p>
@@ -2477,10 +2453,9 @@
           <a:lstStyle/>
           <a:p>
             <a:r>
-              <a:rPr lang="fr-FR" smtClean="0"/>
+              <a:rPr lang="fr-FR"/>
               <a:t>Modifiez le style du titre</a:t>
             </a:r>
-            <a:endParaRPr lang="fr-FR"/>
           </a:p>
         </p:txBody>
       </p:sp>
@@ -2511,38 +2486,37 @@
           <a:p>
             <a:pPr lvl="0"/>
             <a:r>
-              <a:rPr lang="fr-FR" smtClean="0"/>
+              <a:rPr lang="fr-FR"/>
               <a:t>Modifier les styles du texte du masque</a:t>
             </a:r>
           </a:p>
           <a:p>
             <a:pPr lvl="1"/>
             <a:r>
-              <a:rPr lang="fr-FR" smtClean="0"/>
+              <a:rPr lang="fr-FR"/>
               <a:t>Deuxième niveau</a:t>
             </a:r>
           </a:p>
           <a:p>
             <a:pPr lvl="2"/>
             <a:r>
-              <a:rPr lang="fr-FR" smtClean="0"/>
+              <a:rPr lang="fr-FR"/>
               <a:t>Troisième niveau</a:t>
             </a:r>
           </a:p>
           <a:p>
             <a:pPr lvl="3"/>
             <a:r>
-              <a:rPr lang="fr-FR" smtClean="0"/>
+              <a:rPr lang="fr-FR"/>
               <a:t>Quatrième niveau</a:t>
             </a:r>
           </a:p>
           <a:p>
             <a:pPr lvl="4"/>
             <a:r>
-              <a:rPr lang="fr-FR" smtClean="0"/>
+              <a:rPr lang="fr-FR"/>
               <a:t>Cinquième niveau</a:t>
             </a:r>
-            <a:endParaRPr lang="fr-FR"/>
           </a:p>
         </p:txBody>
       </p:sp>
@@ -2581,7 +2555,7 @@
           <a:p>
             <a:fld id="{12FEBFD5-F7DC-4D99-924F-CDBF4221FCB9}" type="datetimeFigureOut">
               <a:rPr lang="fr-FR" smtClean="0"/>
-              <a:t>23/05/2023</a:t>
+              <a:t>19/05/2024</a:t>
             </a:fld>
             <a:endParaRPr lang="fr-FR"/>
           </a:p>
@@ -2988,34 +2962,86 @@
       </p:grpSpPr>
       <p:pic>
         <p:nvPicPr>
-          <p:cNvPr id="4" name="Image 3"/>
+          <p:cNvPr id="3" name="Image 2">
+            <a:extLst>
+              <a:ext uri="{FF2B5EF4-FFF2-40B4-BE49-F238E27FC236}">
+                <a16:creationId xmlns:a16="http://schemas.microsoft.com/office/drawing/2014/main" id="{3E5E0F21-F5C2-4E24-DD19-1BCFE08A8288}"/>
+              </a:ext>
+            </a:extLst>
+          </p:cNvPr>
           <p:cNvPicPr>
             <a:picLocks noChangeAspect="1"/>
           </p:cNvPicPr>
           <p:nvPr/>
         </p:nvPicPr>
         <p:blipFill>
-          <a:blip r:embed="rId2" cstate="print">
-            <a:extLst>
-              <a:ext uri="{28A0092B-C50C-407E-A947-70E740481C1C}">
-                <a14:useLocalDpi xmlns:a14="http://schemas.microsoft.com/office/drawing/2010/main" val="0"/>
-              </a:ext>
-            </a:extLst>
-          </a:blip>
+          <a:blip r:embed="rId2"/>
           <a:stretch>
             <a:fillRect/>
           </a:stretch>
         </p:blipFill>
         <p:spPr>
           <a:xfrm>
-            <a:off x="4079776" y="1556792"/>
-            <a:ext cx="3629212" cy="2773264"/>
+            <a:off x="3919233" y="1409418"/>
+            <a:ext cx="4353533" cy="4039164"/>
           </a:xfrm>
           <a:prstGeom prst="rect">
             <a:avLst/>
           </a:prstGeom>
         </p:spPr>
       </p:pic>
+      <p:sp>
+        <p:nvSpPr>
+          <p:cNvPr id="5" name="Rectangle 4">
+            <a:extLst>
+              <a:ext uri="{FF2B5EF4-FFF2-40B4-BE49-F238E27FC236}">
+                <a16:creationId xmlns:a16="http://schemas.microsoft.com/office/drawing/2014/main" id="{C385A144-2E3E-8AB9-8874-39C3461D7541}"/>
+              </a:ext>
+            </a:extLst>
+          </p:cNvPr>
+          <p:cNvSpPr/>
+          <p:nvPr/>
+        </p:nvSpPr>
+        <p:spPr>
+          <a:xfrm>
+            <a:off x="6888088" y="1916832"/>
+            <a:ext cx="864096" cy="504056"/>
+          </a:xfrm>
+          <a:prstGeom prst="rect">
+            <a:avLst/>
+          </a:prstGeom>
+          <a:noFill/>
+          <a:ln w="57150">
+            <a:solidFill>
+              <a:srgbClr val="FF0000"/>
+            </a:solidFill>
+          </a:ln>
+        </p:spPr>
+        <p:style>
+          <a:lnRef idx="2">
+            <a:schemeClr val="accent1">
+              <a:shade val="15000"/>
+            </a:schemeClr>
+          </a:lnRef>
+          <a:fillRef idx="1">
+            <a:schemeClr val="accent1"/>
+          </a:fillRef>
+          <a:effectRef idx="0">
+            <a:schemeClr val="accent1"/>
+          </a:effectRef>
+          <a:fontRef idx="minor">
+            <a:schemeClr val="lt1"/>
+          </a:fontRef>
+        </p:style>
+        <p:txBody>
+          <a:bodyPr rtlCol="0" anchor="ctr"/>
+          <a:lstStyle/>
+          <a:p>
+            <a:pPr algn="ctr"/>
+            <a:endParaRPr lang="fr-FR"/>
+          </a:p>
+        </p:txBody>
+      </p:sp>
     </p:spTree>
     <p:extLst>
       <p:ext uri="{BB962C8B-B14F-4D97-AF65-F5344CB8AC3E}">
@@ -3046,197 +3072,30 @@
           <a:chExt cx="0" cy="0"/>
         </a:xfrm>
       </p:grpSpPr>
-      <p:grpSp>
-        <p:nvGrpSpPr>
-          <p:cNvPr id="7" name="Groupe 6"/>
-          <p:cNvGrpSpPr/>
-          <p:nvPr/>
-        </p:nvGrpSpPr>
-        <p:grpSpPr>
-          <a:xfrm>
-            <a:off x="4346444" y="2226561"/>
-            <a:ext cx="3499111" cy="2404877"/>
-            <a:chOff x="4346444" y="2226561"/>
-            <a:chExt cx="3499111" cy="2404877"/>
-          </a:xfrm>
-        </p:grpSpPr>
-        <p:pic>
-          <p:nvPicPr>
-            <p:cNvPr id="4" name="Image 3"/>
-            <p:cNvPicPr>
-              <a:picLocks noChangeAspect="1"/>
-            </p:cNvPicPr>
-            <p:nvPr/>
-          </p:nvPicPr>
-          <p:blipFill>
-            <a:blip r:embed="rId2" cstate="print">
-              <a:extLst>
-                <a:ext uri="{28A0092B-C50C-407E-A947-70E740481C1C}">
-                  <a14:useLocalDpi xmlns:a14="http://schemas.microsoft.com/office/drawing/2010/main" val="0"/>
-                </a:ext>
-              </a:extLst>
-            </a:blip>
-            <a:stretch>
-              <a:fillRect/>
-            </a:stretch>
-          </p:blipFill>
-          <p:spPr>
-            <a:xfrm>
-              <a:off x="4346444" y="2226561"/>
-              <a:ext cx="3499111" cy="2404877"/>
-            </a:xfrm>
-            <a:prstGeom prst="rect">
-              <a:avLst/>
-            </a:prstGeom>
-          </p:spPr>
-        </p:pic>
-        <p:sp>
-          <p:nvSpPr>
-            <p:cNvPr id="5" name="Rectangle 4"/>
-            <p:cNvSpPr/>
-            <p:nvPr/>
-          </p:nvSpPr>
-          <p:spPr>
-            <a:xfrm>
-              <a:off x="6115052" y="3325750"/>
-              <a:ext cx="393944" cy="180021"/>
-            </a:xfrm>
-            <a:prstGeom prst="rect">
-              <a:avLst/>
-            </a:prstGeom>
-            <a:noFill/>
-            <a:ln>
-              <a:solidFill>
-                <a:srgbClr val="C00000"/>
-              </a:solidFill>
-            </a:ln>
-          </p:spPr>
-          <p:style>
-            <a:lnRef idx="2">
-              <a:schemeClr val="accent1">
-                <a:shade val="50000"/>
-              </a:schemeClr>
-            </a:lnRef>
-            <a:fillRef idx="1">
-              <a:schemeClr val="accent1"/>
-            </a:fillRef>
-            <a:effectRef idx="0">
-              <a:schemeClr val="accent1"/>
-            </a:effectRef>
-            <a:fontRef idx="minor">
-              <a:schemeClr val="lt1"/>
-            </a:fontRef>
-          </p:style>
-          <p:txBody>
-            <a:bodyPr rtlCol="0" anchor="ctr"/>
-            <a:lstStyle/>
-            <a:p>
-              <a:pPr algn="ctr"/>
-              <a:endParaRPr lang="fr-FR"/>
-            </a:p>
-          </p:txBody>
-        </p:sp>
-        <p:sp>
-          <p:nvSpPr>
-            <p:cNvPr id="6" name="Rectangle 5"/>
-            <p:cNvSpPr/>
-            <p:nvPr/>
-          </p:nvSpPr>
-          <p:spPr>
-            <a:xfrm>
-              <a:off x="4511824" y="3264319"/>
-              <a:ext cx="1440160" cy="308697"/>
-            </a:xfrm>
-            <a:prstGeom prst="rect">
-              <a:avLst/>
-            </a:prstGeom>
-            <a:noFill/>
-            <a:ln>
-              <a:solidFill>
-                <a:srgbClr val="C00000"/>
-              </a:solidFill>
-            </a:ln>
-          </p:spPr>
-          <p:style>
-            <a:lnRef idx="2">
-              <a:schemeClr val="accent1">
-                <a:shade val="50000"/>
-              </a:schemeClr>
-            </a:lnRef>
-            <a:fillRef idx="1">
-              <a:schemeClr val="accent1"/>
-            </a:fillRef>
-            <a:effectRef idx="0">
-              <a:schemeClr val="accent1"/>
-            </a:effectRef>
-            <a:fontRef idx="minor">
-              <a:schemeClr val="lt1"/>
-            </a:fontRef>
-          </p:style>
-          <p:txBody>
-            <a:bodyPr rtlCol="0" anchor="ctr"/>
-            <a:lstStyle/>
-            <a:p>
-              <a:pPr algn="ctr"/>
-              <a:endParaRPr lang="fr-FR"/>
-            </a:p>
-          </p:txBody>
-        </p:sp>
-      </p:grpSp>
-    </p:spTree>
-    <p:extLst>
-      <p:ext uri="{BB962C8B-B14F-4D97-AF65-F5344CB8AC3E}">
-        <p14:creationId xmlns:p14="http://schemas.microsoft.com/office/powerpoint/2010/main" val="1956619033"/>
-      </p:ext>
-    </p:extLst>
-  </p:cSld>
-  <p:clrMapOvr>
-    <a:masterClrMapping/>
-  </p:clrMapOvr>
-</p:sld>
-</file>
-
-<file path=ppt/slides/slide3.xml><?xml version="1.0" encoding="utf-8"?>
-<p:sld xmlns:a="http://schemas.openxmlformats.org/drawingml/2006/main" xmlns:r="http://schemas.openxmlformats.org/officeDocument/2006/relationships" xmlns:p="http://schemas.openxmlformats.org/presentationml/2006/main">
-  <p:cSld>
-    <p:spTree>
-      <p:nvGrpSpPr>
-        <p:cNvPr id="1" name=""/>
-        <p:cNvGrpSpPr/>
-        <p:nvPr/>
-      </p:nvGrpSpPr>
-      <p:grpSpPr>
-        <a:xfrm>
-          <a:off x="0" y="0"/>
-          <a:ext cx="0" cy="0"/>
-          <a:chOff x="0" y="0"/>
-          <a:chExt cx="0" cy="0"/>
-        </a:xfrm>
-      </p:grpSpPr>
       <p:pic>
         <p:nvPicPr>
-          <p:cNvPr id="2" name="Image 1"/>
+          <p:cNvPr id="5" name="Image 4">
+            <a:extLst>
+              <a:ext uri="{FF2B5EF4-FFF2-40B4-BE49-F238E27FC236}">
+                <a16:creationId xmlns:a16="http://schemas.microsoft.com/office/drawing/2014/main" id="{B1BD4679-833D-B65D-DD24-1E5F062ED3BB}"/>
+              </a:ext>
+            </a:extLst>
+          </p:cNvPr>
           <p:cNvPicPr>
             <a:picLocks noChangeAspect="1"/>
           </p:cNvPicPr>
           <p:nvPr/>
         </p:nvPicPr>
         <p:blipFill>
-          <a:blip r:embed="rId2" cstate="print">
-            <a:extLst>
-              <a:ext uri="{28A0092B-C50C-407E-A947-70E740481C1C}">
-                <a14:useLocalDpi xmlns:a14="http://schemas.microsoft.com/office/drawing/2010/main" val="0"/>
-              </a:ext>
-            </a:extLst>
-          </a:blip>
+          <a:blip r:embed="rId2"/>
           <a:stretch>
             <a:fillRect/>
           </a:stretch>
         </p:blipFill>
         <p:spPr>
           <a:xfrm>
-            <a:off x="4142228" y="2057397"/>
-            <a:ext cx="3907544" cy="2743206"/>
+            <a:off x="2194034" y="0"/>
+            <a:ext cx="7803931" cy="6858000"/>
           </a:xfrm>
           <a:prstGeom prst="rect">
             <a:avLst/>
@@ -3245,29 +3104,35 @@
       </p:pic>
       <p:sp>
         <p:nvSpPr>
-          <p:cNvPr id="3" name="Rectangle 2"/>
+          <p:cNvPr id="6" name="Rectangle 5">
+            <a:extLst>
+              <a:ext uri="{FF2B5EF4-FFF2-40B4-BE49-F238E27FC236}">
+                <a16:creationId xmlns:a16="http://schemas.microsoft.com/office/drawing/2014/main" id="{6BE9CEA8-15D6-F5D9-585C-5B91BBBB4F8B}"/>
+              </a:ext>
+            </a:extLst>
+          </p:cNvPr>
           <p:cNvSpPr/>
           <p:nvPr/>
         </p:nvSpPr>
         <p:spPr>
           <a:xfrm>
-            <a:off x="4943872" y="2670251"/>
-            <a:ext cx="1800200" cy="432048"/>
+            <a:off x="2218110" y="345356"/>
+            <a:ext cx="575763" cy="288032"/>
           </a:xfrm>
           <a:prstGeom prst="rect">
             <a:avLst/>
           </a:prstGeom>
           <a:noFill/>
-          <a:ln>
+          <a:ln w="57150">
             <a:solidFill>
-              <a:srgbClr val="C00000"/>
+              <a:srgbClr val="FF0000"/>
             </a:solidFill>
           </a:ln>
         </p:spPr>
         <p:style>
           <a:lnRef idx="2">
             <a:schemeClr val="accent1">
-              <a:shade val="50000"/>
+              <a:shade val="15000"/>
             </a:schemeClr>
           </a:lnRef>
           <a:fillRef idx="1">
@@ -3291,31 +3156,35 @@
       </p:sp>
       <p:sp>
         <p:nvSpPr>
-          <p:cNvPr id="5" name="Ellipse 4"/>
+          <p:cNvPr id="7" name="Rectangle 6">
+            <a:extLst>
+              <a:ext uri="{FF2B5EF4-FFF2-40B4-BE49-F238E27FC236}">
+                <a16:creationId xmlns:a16="http://schemas.microsoft.com/office/drawing/2014/main" id="{4C36AED6-03E2-A4D7-26ED-9F90390DB80A}"/>
+              </a:ext>
+            </a:extLst>
+          </p:cNvPr>
           <p:cNvSpPr/>
           <p:nvPr/>
         </p:nvSpPr>
         <p:spPr>
           <a:xfrm>
-            <a:off x="6456040" y="2063697"/>
-            <a:ext cx="144016" cy="144016"/>
+            <a:off x="2219434" y="1863874"/>
+            <a:ext cx="575763" cy="288032"/>
           </a:xfrm>
-          <a:prstGeom prst="ellipse">
+          <a:prstGeom prst="rect">
             <a:avLst/>
           </a:prstGeom>
-          <a:solidFill>
-            <a:schemeClr val="bg1"/>
-          </a:solidFill>
-          <a:ln>
+          <a:noFill/>
+          <a:ln w="57150">
             <a:solidFill>
-              <a:srgbClr val="C00000"/>
+              <a:srgbClr val="FF0000"/>
             </a:solidFill>
           </a:ln>
         </p:spPr>
         <p:style>
           <a:lnRef idx="2">
             <a:schemeClr val="accent1">
-              <a:shade val="50000"/>
+              <a:shade val="15000"/>
             </a:schemeClr>
           </a:lnRef>
           <a:fillRef idx="1">
@@ -3329,53 +3198,45 @@
           </a:fontRef>
         </p:style>
         <p:txBody>
-          <a:bodyPr lIns="0" tIns="0" rIns="0" bIns="0" rtlCol="0" anchor="ctr"/>
+          <a:bodyPr rtlCol="0" anchor="ctr"/>
           <a:lstStyle/>
           <a:p>
             <a:pPr algn="ctr"/>
-            <a:r>
-              <a:rPr lang="fr-FR" sz="800" b="1" dirty="0" smtClean="0">
-                <a:solidFill>
-                  <a:srgbClr val="C00000"/>
-                </a:solidFill>
-              </a:rPr>
-              <a:t>0</a:t>
-            </a:r>
-            <a:endParaRPr lang="fr-FR" sz="800" b="1" dirty="0">
-              <a:solidFill>
-                <a:srgbClr val="C00000"/>
-              </a:solidFill>
-            </a:endParaRPr>
-          </a:p>
-        </p:txBody>
-      </p:sp>
-      <p:sp>
-        <p:nvSpPr>
-          <p:cNvPr id="6" name="Ellipse 5"/>
+            <a:endParaRPr lang="fr-FR"/>
+          </a:p>
+        </p:txBody>
+      </p:sp>
+      <p:sp>
+        <p:nvSpPr>
+          <p:cNvPr id="10" name="Rectangle 9">
+            <a:extLst>
+              <a:ext uri="{FF2B5EF4-FFF2-40B4-BE49-F238E27FC236}">
+                <a16:creationId xmlns:a16="http://schemas.microsoft.com/office/drawing/2014/main" id="{8C269BCB-0F09-2821-B79C-6C54872228D4}"/>
+              </a:ext>
+            </a:extLst>
+          </p:cNvPr>
           <p:cNvSpPr/>
           <p:nvPr/>
         </p:nvSpPr>
         <p:spPr>
           <a:xfrm>
-            <a:off x="4871864" y="2492896"/>
-            <a:ext cx="144016" cy="144016"/>
+            <a:off x="2218110" y="908720"/>
+            <a:ext cx="575763" cy="288032"/>
           </a:xfrm>
-          <a:prstGeom prst="ellipse">
+          <a:prstGeom prst="rect">
             <a:avLst/>
           </a:prstGeom>
-          <a:solidFill>
-            <a:schemeClr val="bg1"/>
-          </a:solidFill>
-          <a:ln>
+          <a:noFill/>
+          <a:ln w="57150">
             <a:solidFill>
-              <a:srgbClr val="C00000"/>
+              <a:srgbClr val="FF0000"/>
             </a:solidFill>
           </a:ln>
         </p:spPr>
         <p:style>
           <a:lnRef idx="2">
             <a:schemeClr val="accent1">
-              <a:shade val="50000"/>
+              <a:shade val="15000"/>
             </a:schemeClr>
           </a:lnRef>
           <a:fillRef idx="1">
@@ -3389,36 +3250,30 @@
           </a:fontRef>
         </p:style>
         <p:txBody>
-          <a:bodyPr lIns="0" tIns="0" rIns="0" bIns="0" rtlCol="0" anchor="ctr"/>
+          <a:bodyPr rtlCol="0" anchor="ctr"/>
           <a:lstStyle/>
           <a:p>
             <a:pPr algn="ctr"/>
-            <a:r>
-              <a:rPr lang="fr-FR" sz="800" b="1" dirty="0" smtClean="0">
-                <a:solidFill>
-                  <a:srgbClr val="C00000"/>
-                </a:solidFill>
-              </a:rPr>
-              <a:t>1</a:t>
-            </a:r>
-            <a:endParaRPr lang="fr-FR" sz="800" b="1" dirty="0">
-              <a:solidFill>
-                <a:srgbClr val="C00000"/>
-              </a:solidFill>
-            </a:endParaRPr>
-          </a:p>
-        </p:txBody>
-      </p:sp>
-      <p:sp>
-        <p:nvSpPr>
-          <p:cNvPr id="7" name="Ellipse 6"/>
+            <a:endParaRPr lang="fr-FR"/>
+          </a:p>
+        </p:txBody>
+      </p:sp>
+      <p:sp>
+        <p:nvSpPr>
+          <p:cNvPr id="11" name="Ellipse 10">
+            <a:extLst>
+              <a:ext uri="{FF2B5EF4-FFF2-40B4-BE49-F238E27FC236}">
+                <a16:creationId xmlns:a16="http://schemas.microsoft.com/office/drawing/2014/main" id="{4CD95E50-DE1B-FB75-0142-DB0FE46B0B50}"/>
+              </a:ext>
+            </a:extLst>
+          </p:cNvPr>
           <p:cNvSpPr/>
           <p:nvPr/>
         </p:nvSpPr>
         <p:spPr>
           <a:xfrm>
-            <a:off x="4070220" y="2380704"/>
-            <a:ext cx="144016" cy="144016"/>
+            <a:off x="2927648" y="309372"/>
+            <a:ext cx="360000" cy="360000"/>
           </a:xfrm>
           <a:prstGeom prst="ellipse">
             <a:avLst/>
@@ -3426,16 +3281,16 @@
           <a:solidFill>
             <a:schemeClr val="bg1"/>
           </a:solidFill>
-          <a:ln>
+          <a:ln w="38100">
             <a:solidFill>
-              <a:srgbClr val="C00000"/>
+              <a:srgbClr val="FF0000"/>
             </a:solidFill>
           </a:ln>
         </p:spPr>
         <p:style>
           <a:lnRef idx="2">
             <a:schemeClr val="accent1">
-              <a:shade val="50000"/>
+              <a:shade val="15000"/>
             </a:schemeClr>
           </a:lnRef>
           <a:fillRef idx="1">
@@ -3449,300 +3304,25 @@
           </a:fontRef>
         </p:style>
         <p:txBody>
-          <a:bodyPr lIns="0" tIns="0" rIns="0" bIns="0" rtlCol="0" anchor="ctr"/>
+          <a:bodyPr rtlCol="0" anchor="ctr"/>
           <a:lstStyle/>
           <a:p>
             <a:pPr algn="ctr"/>
             <a:r>
-              <a:rPr lang="fr-FR" sz="800" b="1" dirty="0" smtClean="0">
+              <a:rPr lang="fr-FR" b="1" dirty="0">
                 <a:solidFill>
-                  <a:srgbClr val="C00000"/>
+                  <a:srgbClr val="FF0000"/>
                 </a:solidFill>
               </a:rPr>
-              <a:t>2</a:t>
-            </a:r>
-            <a:endParaRPr lang="fr-FR" sz="800" b="1" dirty="0">
-              <a:solidFill>
-                <a:srgbClr val="C00000"/>
-              </a:solidFill>
-            </a:endParaRPr>
-          </a:p>
-        </p:txBody>
-      </p:sp>
-      <p:sp>
-        <p:nvSpPr>
-          <p:cNvPr id="8" name="Ellipse 7"/>
-          <p:cNvSpPr/>
-          <p:nvPr/>
-        </p:nvSpPr>
-        <p:spPr>
-          <a:xfrm>
-            <a:off x="4070220" y="2531866"/>
-            <a:ext cx="144016" cy="144016"/>
-          </a:xfrm>
-          <a:prstGeom prst="ellipse">
-            <a:avLst/>
-          </a:prstGeom>
-          <a:solidFill>
-            <a:schemeClr val="bg1"/>
-          </a:solidFill>
-          <a:ln>
-            <a:solidFill>
-              <a:srgbClr val="C00000"/>
-            </a:solidFill>
-          </a:ln>
-        </p:spPr>
-        <p:style>
-          <a:lnRef idx="2">
-            <a:schemeClr val="accent1">
-              <a:shade val="50000"/>
-            </a:schemeClr>
-          </a:lnRef>
-          <a:fillRef idx="1">
-            <a:schemeClr val="accent1"/>
-          </a:fillRef>
-          <a:effectRef idx="0">
-            <a:schemeClr val="accent1"/>
-          </a:effectRef>
-          <a:fontRef idx="minor">
-            <a:schemeClr val="lt1"/>
-          </a:fontRef>
-        </p:style>
-        <p:txBody>
-          <a:bodyPr lIns="0" tIns="0" rIns="0" bIns="0" rtlCol="0" anchor="ctr"/>
-          <a:lstStyle/>
-          <a:p>
-            <a:pPr algn="ctr"/>
-            <a:r>
-              <a:rPr lang="fr-FR" sz="800" b="1" dirty="0" smtClean="0">
-                <a:solidFill>
-                  <a:srgbClr val="C00000"/>
-                </a:solidFill>
-              </a:rPr>
-              <a:t>4</a:t>
-            </a:r>
-            <a:endParaRPr lang="fr-FR" sz="800" b="1" dirty="0">
-              <a:solidFill>
-                <a:srgbClr val="C00000"/>
-              </a:solidFill>
-            </a:endParaRPr>
-          </a:p>
-        </p:txBody>
-      </p:sp>
-      <p:sp>
-        <p:nvSpPr>
-          <p:cNvPr id="9" name="Ellipse 8"/>
-          <p:cNvSpPr/>
-          <p:nvPr/>
-        </p:nvSpPr>
-        <p:spPr>
-          <a:xfrm>
-            <a:off x="4070220" y="2683027"/>
-            <a:ext cx="144016" cy="144016"/>
-          </a:xfrm>
-          <a:prstGeom prst="ellipse">
-            <a:avLst/>
-          </a:prstGeom>
-          <a:solidFill>
-            <a:schemeClr val="bg1"/>
-          </a:solidFill>
-          <a:ln>
-            <a:solidFill>
-              <a:srgbClr val="C00000"/>
-            </a:solidFill>
-          </a:ln>
-        </p:spPr>
-        <p:style>
-          <a:lnRef idx="2">
-            <a:schemeClr val="accent1">
-              <a:shade val="50000"/>
-            </a:schemeClr>
-          </a:lnRef>
-          <a:fillRef idx="1">
-            <a:schemeClr val="accent1"/>
-          </a:fillRef>
-          <a:effectRef idx="0">
-            <a:schemeClr val="accent1"/>
-          </a:effectRef>
-          <a:fontRef idx="minor">
-            <a:schemeClr val="lt1"/>
-          </a:fontRef>
-        </p:style>
-        <p:txBody>
-          <a:bodyPr lIns="0" tIns="0" rIns="0" bIns="0" rtlCol="0" anchor="ctr"/>
-          <a:lstStyle/>
-          <a:p>
-            <a:pPr algn="ctr"/>
-            <a:r>
-              <a:rPr lang="fr-FR" sz="800" b="1" dirty="0" smtClean="0">
-                <a:solidFill>
-                  <a:srgbClr val="C00000"/>
-                </a:solidFill>
-              </a:rPr>
-              <a:t>3</a:t>
-            </a:r>
-            <a:endParaRPr lang="fr-FR" sz="800" b="1" dirty="0">
-              <a:solidFill>
-                <a:srgbClr val="C00000"/>
-              </a:solidFill>
-            </a:endParaRPr>
+              <a:t>1</a:t>
+            </a:r>
           </a:p>
         </p:txBody>
       </p:sp>
     </p:spTree>
     <p:extLst>
       <p:ext uri="{BB962C8B-B14F-4D97-AF65-F5344CB8AC3E}">
-        <p14:creationId xmlns:p14="http://schemas.microsoft.com/office/powerpoint/2010/main" val="1214378944"/>
-      </p:ext>
-    </p:extLst>
-  </p:cSld>
-  <p:clrMapOvr>
-    <a:masterClrMapping/>
-  </p:clrMapOvr>
-</p:sld>
-</file>
-
-<file path=ppt/slides/slide4.xml><?xml version="1.0" encoding="utf-8"?>
-<p:sld xmlns:a="http://schemas.openxmlformats.org/drawingml/2006/main" xmlns:r="http://schemas.openxmlformats.org/officeDocument/2006/relationships" xmlns:p="http://schemas.openxmlformats.org/presentationml/2006/main">
-  <p:cSld>
-    <p:spTree>
-      <p:nvGrpSpPr>
-        <p:cNvPr id="1" name=""/>
-        <p:cNvGrpSpPr/>
-        <p:nvPr/>
-      </p:nvGrpSpPr>
-      <p:grpSpPr>
-        <a:xfrm>
-          <a:off x="0" y="0"/>
-          <a:ext cx="0" cy="0"/>
-          <a:chOff x="0" y="0"/>
-          <a:chExt cx="0" cy="0"/>
-        </a:xfrm>
-      </p:grpSpPr>
-      <p:pic>
-        <p:nvPicPr>
-          <p:cNvPr id="4" name="Image 3"/>
-          <p:cNvPicPr>
-            <a:picLocks noChangeAspect="1"/>
-          </p:cNvPicPr>
-          <p:nvPr/>
-        </p:nvPicPr>
-        <p:blipFill>
-          <a:blip r:embed="rId2" cstate="print">
-            <a:extLst>
-              <a:ext uri="{28A0092B-C50C-407E-A947-70E740481C1C}">
-                <a14:useLocalDpi xmlns:a14="http://schemas.microsoft.com/office/drawing/2010/main" val="0"/>
-              </a:ext>
-            </a:extLst>
-          </a:blip>
-          <a:stretch>
-            <a:fillRect/>
-          </a:stretch>
-        </p:blipFill>
-        <p:spPr>
-          <a:xfrm>
-            <a:off x="4142228" y="2057397"/>
-            <a:ext cx="3907544" cy="2743206"/>
-          </a:xfrm>
-          <a:prstGeom prst="rect">
-            <a:avLst/>
-          </a:prstGeom>
-        </p:spPr>
-      </p:pic>
-    </p:spTree>
-    <p:extLst>
-      <p:ext uri="{BB962C8B-B14F-4D97-AF65-F5344CB8AC3E}">
-        <p14:creationId xmlns:p14="http://schemas.microsoft.com/office/powerpoint/2010/main" val="3420599486"/>
-      </p:ext>
-    </p:extLst>
-  </p:cSld>
-  <p:clrMapOvr>
-    <a:masterClrMapping/>
-  </p:clrMapOvr>
-</p:sld>
-</file>
-
-<file path=ppt/slides/slide5.xml><?xml version="1.0" encoding="utf-8"?>
-<p:sld xmlns:a="http://schemas.openxmlformats.org/drawingml/2006/main" xmlns:r="http://schemas.openxmlformats.org/officeDocument/2006/relationships" xmlns:p="http://schemas.openxmlformats.org/presentationml/2006/main">
-  <p:cSld>
-    <p:spTree>
-      <p:nvGrpSpPr>
-        <p:cNvPr id="1" name=""/>
-        <p:cNvGrpSpPr/>
-        <p:nvPr/>
-      </p:nvGrpSpPr>
-      <p:grpSpPr>
-        <a:xfrm>
-          <a:off x="0" y="0"/>
-          <a:ext cx="0" cy="0"/>
-          <a:chOff x="0" y="0"/>
-          <a:chExt cx="0" cy="0"/>
-        </a:xfrm>
-      </p:grpSpPr>
-    </p:spTree>
-    <p:extLst>
-      <p:ext uri="{BB962C8B-B14F-4D97-AF65-F5344CB8AC3E}">
-        <p14:creationId xmlns:p14="http://schemas.microsoft.com/office/powerpoint/2010/main" val="1823211747"/>
-      </p:ext>
-    </p:extLst>
-  </p:cSld>
-  <p:clrMapOvr>
-    <a:masterClrMapping/>
-  </p:clrMapOvr>
-</p:sld>
-</file>
-
-<file path=ppt/slides/slide6.xml><?xml version="1.0" encoding="utf-8"?>
-<p:sld xmlns:a="http://schemas.openxmlformats.org/drawingml/2006/main" xmlns:r="http://schemas.openxmlformats.org/officeDocument/2006/relationships" xmlns:p="http://schemas.openxmlformats.org/presentationml/2006/main">
-  <p:cSld>
-    <p:spTree>
-      <p:nvGrpSpPr>
-        <p:cNvPr id="1" name=""/>
-        <p:cNvGrpSpPr/>
-        <p:nvPr/>
-      </p:nvGrpSpPr>
-      <p:grpSpPr>
-        <a:xfrm>
-          <a:off x="0" y="0"/>
-          <a:ext cx="0" cy="0"/>
-          <a:chOff x="0" y="0"/>
-          <a:chExt cx="0" cy="0"/>
-        </a:xfrm>
-      </p:grpSpPr>
-    </p:spTree>
-    <p:extLst>
-      <p:ext uri="{BB962C8B-B14F-4D97-AF65-F5344CB8AC3E}">
-        <p14:creationId xmlns:p14="http://schemas.microsoft.com/office/powerpoint/2010/main" val="2020957955"/>
-      </p:ext>
-    </p:extLst>
-  </p:cSld>
-  <p:clrMapOvr>
-    <a:masterClrMapping/>
-  </p:clrMapOvr>
-</p:sld>
-</file>
-
-<file path=ppt/slides/slide7.xml><?xml version="1.0" encoding="utf-8"?>
-<p:sld xmlns:a="http://schemas.openxmlformats.org/drawingml/2006/main" xmlns:r="http://schemas.openxmlformats.org/officeDocument/2006/relationships" xmlns:p="http://schemas.openxmlformats.org/presentationml/2006/main">
-  <p:cSld>
-    <p:spTree>
-      <p:nvGrpSpPr>
-        <p:cNvPr id="1" name=""/>
-        <p:cNvGrpSpPr/>
-        <p:nvPr/>
-      </p:nvGrpSpPr>
-      <p:grpSpPr>
-        <a:xfrm>
-          <a:off x="0" y="0"/>
-          <a:ext cx="0" cy="0"/>
-          <a:chOff x="0" y="0"/>
-          <a:chExt cx="0" cy="0"/>
-        </a:xfrm>
-      </p:grpSpPr>
-    </p:spTree>
-    <p:extLst>
-      <p:ext uri="{BB962C8B-B14F-4D97-AF65-F5344CB8AC3E}">
-        <p14:creationId xmlns:p14="http://schemas.microsoft.com/office/powerpoint/2010/main" val="3998278821"/>
+        <p14:creationId xmlns:p14="http://schemas.microsoft.com/office/powerpoint/2010/main" val="390401063"/>
       </p:ext>
     </p:extLst>
   </p:cSld>

--- a/23_Plateforme6Axes/22_ImprimanteI3D.pptx
+++ b/23_Plateforme6Axes/22_ImprimanteI3D.pptx
@@ -7,6 +7,7 @@
   <p:sldIdLst>
     <p:sldId id="256" r:id="rId2"/>
     <p:sldId id="257" r:id="rId3"/>
+    <p:sldId id="258" r:id="rId4"/>
   </p:sldIdLst>
   <p:sldSz cx="12192000" cy="6858000"/>
   <p:notesSz cx="6858000" cy="9144000"/>
@@ -3319,10 +3320,275 @@
           </a:p>
         </p:txBody>
       </p:sp>
+      <p:sp>
+        <p:nvSpPr>
+          <p:cNvPr id="12" name="Ellipse 11">
+            <a:extLst>
+              <a:ext uri="{FF2B5EF4-FFF2-40B4-BE49-F238E27FC236}">
+                <a16:creationId xmlns:a16="http://schemas.microsoft.com/office/drawing/2014/main" id="{15593541-85B1-86F3-E7C8-B2C5D304D602}"/>
+              </a:ext>
+            </a:extLst>
+          </p:cNvPr>
+          <p:cNvSpPr/>
+          <p:nvPr/>
+        </p:nvSpPr>
+        <p:spPr>
+          <a:xfrm>
+            <a:off x="2927648" y="872736"/>
+            <a:ext cx="360000" cy="360000"/>
+          </a:xfrm>
+          <a:prstGeom prst="ellipse">
+            <a:avLst/>
+          </a:prstGeom>
+          <a:solidFill>
+            <a:schemeClr val="bg1"/>
+          </a:solidFill>
+          <a:ln w="38100">
+            <a:solidFill>
+              <a:srgbClr val="FF0000"/>
+            </a:solidFill>
+          </a:ln>
+        </p:spPr>
+        <p:style>
+          <a:lnRef idx="2">
+            <a:schemeClr val="accent1">
+              <a:shade val="15000"/>
+            </a:schemeClr>
+          </a:lnRef>
+          <a:fillRef idx="1">
+            <a:schemeClr val="accent1"/>
+          </a:fillRef>
+          <a:effectRef idx="0">
+            <a:schemeClr val="accent1"/>
+          </a:effectRef>
+          <a:fontRef idx="minor">
+            <a:schemeClr val="lt1"/>
+          </a:fontRef>
+        </p:style>
+        <p:txBody>
+          <a:bodyPr rtlCol="0" anchor="ctr"/>
+          <a:lstStyle/>
+          <a:p>
+            <a:pPr algn="ctr"/>
+            <a:r>
+              <a:rPr lang="fr-FR" b="1" dirty="0">
+                <a:solidFill>
+                  <a:srgbClr val="FF0000"/>
+                </a:solidFill>
+              </a:rPr>
+              <a:t>3</a:t>
+            </a:r>
+          </a:p>
+        </p:txBody>
+      </p:sp>
+      <p:sp>
+        <p:nvSpPr>
+          <p:cNvPr id="13" name="Ellipse 12">
+            <a:extLst>
+              <a:ext uri="{FF2B5EF4-FFF2-40B4-BE49-F238E27FC236}">
+                <a16:creationId xmlns:a16="http://schemas.microsoft.com/office/drawing/2014/main" id="{967578EC-E72F-CE07-C4BB-398A4190A120}"/>
+              </a:ext>
+            </a:extLst>
+          </p:cNvPr>
+          <p:cNvSpPr/>
+          <p:nvPr/>
+        </p:nvSpPr>
+        <p:spPr>
+          <a:xfrm>
+            <a:off x="2927648" y="1827890"/>
+            <a:ext cx="360000" cy="360000"/>
+          </a:xfrm>
+          <a:prstGeom prst="ellipse">
+            <a:avLst/>
+          </a:prstGeom>
+          <a:solidFill>
+            <a:schemeClr val="bg1"/>
+          </a:solidFill>
+          <a:ln w="38100">
+            <a:solidFill>
+              <a:srgbClr val="FF0000"/>
+            </a:solidFill>
+          </a:ln>
+        </p:spPr>
+        <p:style>
+          <a:lnRef idx="2">
+            <a:schemeClr val="accent1">
+              <a:shade val="15000"/>
+            </a:schemeClr>
+          </a:lnRef>
+          <a:fillRef idx="1">
+            <a:schemeClr val="accent1"/>
+          </a:fillRef>
+          <a:effectRef idx="0">
+            <a:schemeClr val="accent1"/>
+          </a:effectRef>
+          <a:fontRef idx="minor">
+            <a:schemeClr val="lt1"/>
+          </a:fontRef>
+        </p:style>
+        <p:txBody>
+          <a:bodyPr rtlCol="0" anchor="ctr"/>
+          <a:lstStyle/>
+          <a:p>
+            <a:pPr algn="ctr"/>
+            <a:r>
+              <a:rPr lang="fr-FR" b="1" dirty="0">
+                <a:solidFill>
+                  <a:srgbClr val="FF0000"/>
+                </a:solidFill>
+              </a:rPr>
+              <a:t>2</a:t>
+            </a:r>
+          </a:p>
+        </p:txBody>
+      </p:sp>
+      <p:sp>
+        <p:nvSpPr>
+          <p:cNvPr id="14" name="Rectangle 13">
+            <a:extLst>
+              <a:ext uri="{FF2B5EF4-FFF2-40B4-BE49-F238E27FC236}">
+                <a16:creationId xmlns:a16="http://schemas.microsoft.com/office/drawing/2014/main" id="{E9612B2B-A91F-A9DF-96E6-BCD84F3288CC}"/>
+              </a:ext>
+            </a:extLst>
+          </p:cNvPr>
+          <p:cNvSpPr/>
+          <p:nvPr/>
+        </p:nvSpPr>
+        <p:spPr>
+          <a:xfrm flipV="1">
+            <a:off x="4206738" y="227838"/>
+            <a:ext cx="1863862" cy="3417185"/>
+          </a:xfrm>
+          <a:prstGeom prst="rect">
+            <a:avLst/>
+          </a:prstGeom>
+          <a:noFill/>
+          <a:ln w="38100">
+            <a:solidFill>
+              <a:srgbClr val="FF0000"/>
+            </a:solidFill>
+          </a:ln>
+        </p:spPr>
+        <p:style>
+          <a:lnRef idx="2">
+            <a:schemeClr val="accent1">
+              <a:shade val="15000"/>
+            </a:schemeClr>
+          </a:lnRef>
+          <a:fillRef idx="1">
+            <a:schemeClr val="accent1"/>
+          </a:fillRef>
+          <a:effectRef idx="0">
+            <a:schemeClr val="accent1"/>
+          </a:effectRef>
+          <a:fontRef idx="minor">
+            <a:schemeClr val="lt1"/>
+          </a:fontRef>
+        </p:style>
+        <p:txBody>
+          <a:bodyPr rtlCol="0" anchor="ctr"/>
+          <a:lstStyle/>
+          <a:p>
+            <a:pPr algn="ctr"/>
+            <a:endParaRPr lang="fr-FR"/>
+          </a:p>
+        </p:txBody>
+      </p:sp>
+      <p:sp>
+        <p:nvSpPr>
+          <p:cNvPr id="15" name="Ellipse 14">
+            <a:extLst>
+              <a:ext uri="{FF2B5EF4-FFF2-40B4-BE49-F238E27FC236}">
+                <a16:creationId xmlns:a16="http://schemas.microsoft.com/office/drawing/2014/main" id="{AFA6738E-230D-9EA1-BAAE-910320210387}"/>
+              </a:ext>
+            </a:extLst>
+          </p:cNvPr>
+          <p:cNvSpPr/>
+          <p:nvPr/>
+        </p:nvSpPr>
+        <p:spPr>
+          <a:xfrm>
+            <a:off x="3714287" y="2129792"/>
+            <a:ext cx="360000" cy="360000"/>
+          </a:xfrm>
+          <a:prstGeom prst="ellipse">
+            <a:avLst/>
+          </a:prstGeom>
+          <a:solidFill>
+            <a:schemeClr val="bg1"/>
+          </a:solidFill>
+          <a:ln w="38100">
+            <a:solidFill>
+              <a:srgbClr val="FF0000"/>
+            </a:solidFill>
+          </a:ln>
+        </p:spPr>
+        <p:style>
+          <a:lnRef idx="2">
+            <a:schemeClr val="accent1">
+              <a:shade val="15000"/>
+            </a:schemeClr>
+          </a:lnRef>
+          <a:fillRef idx="1">
+            <a:schemeClr val="accent1"/>
+          </a:fillRef>
+          <a:effectRef idx="0">
+            <a:schemeClr val="accent1"/>
+          </a:effectRef>
+          <a:fontRef idx="minor">
+            <a:schemeClr val="lt1"/>
+          </a:fontRef>
+        </p:style>
+        <p:txBody>
+          <a:bodyPr rtlCol="0" anchor="ctr"/>
+          <a:lstStyle/>
+          <a:p>
+            <a:pPr algn="ctr"/>
+            <a:r>
+              <a:rPr lang="fr-FR" b="1" dirty="0">
+                <a:solidFill>
+                  <a:srgbClr val="FF0000"/>
+                </a:solidFill>
+              </a:rPr>
+              <a:t>4</a:t>
+            </a:r>
+          </a:p>
+        </p:txBody>
+      </p:sp>
     </p:spTree>
     <p:extLst>
       <p:ext uri="{BB962C8B-B14F-4D97-AF65-F5344CB8AC3E}">
         <p14:creationId xmlns:p14="http://schemas.microsoft.com/office/powerpoint/2010/main" val="390401063"/>
+      </p:ext>
+    </p:extLst>
+  </p:cSld>
+  <p:clrMapOvr>
+    <a:masterClrMapping/>
+  </p:clrMapOvr>
+</p:sld>
+</file>
+
+<file path=ppt/slides/slide3.xml><?xml version="1.0" encoding="utf-8"?>
+<p:sld xmlns:a="http://schemas.openxmlformats.org/drawingml/2006/main" xmlns:r="http://schemas.openxmlformats.org/officeDocument/2006/relationships" xmlns:p="http://schemas.openxmlformats.org/presentationml/2006/main">
+  <p:cSld>
+    <p:spTree>
+      <p:nvGrpSpPr>
+        <p:cNvPr id="1" name=""/>
+        <p:cNvGrpSpPr/>
+        <p:nvPr/>
+      </p:nvGrpSpPr>
+      <p:grpSpPr>
+        <a:xfrm>
+          <a:off x="0" y="0"/>
+          <a:ext cx="0" cy="0"/>
+          <a:chOff x="0" y="0"/>
+          <a:chExt cx="0" cy="0"/>
+        </a:xfrm>
+      </p:grpSpPr>
+    </p:spTree>
+    <p:extLst>
+      <p:ext uri="{BB962C8B-B14F-4D97-AF65-F5344CB8AC3E}">
+        <p14:creationId xmlns:p14="http://schemas.microsoft.com/office/powerpoint/2010/main" val="678557282"/>
       </p:ext>
     </p:extLst>
   </p:cSld>
